--- a/src/main/java/gof/strategy/strategy_and_template_method.pptx
+++ b/src/main/java/gof/strategy/strategy_and_template_method.pptx
@@ -8,10 +8,12 @@
     <p:sldId id="256" r:id="rId2"/>
     <p:sldId id="271" r:id="rId3"/>
     <p:sldId id="281" r:id="rId4"/>
-    <p:sldId id="282" r:id="rId5"/>
-    <p:sldId id="286" r:id="rId6"/>
-    <p:sldId id="280" r:id="rId7"/>
-    <p:sldId id="285" r:id="rId8"/>
+    <p:sldId id="287" r:id="rId5"/>
+    <p:sldId id="288" r:id="rId6"/>
+    <p:sldId id="282" r:id="rId7"/>
+    <p:sldId id="286" r:id="rId8"/>
+    <p:sldId id="280" r:id="rId9"/>
+    <p:sldId id="285" r:id="rId10"/>
   </p:sldIdLst>
   <p:sldSz cx="12192000" cy="6858000"/>
   <p:notesSz cx="6858000" cy="9144000"/>
@@ -4572,8 +4574,8 @@
         </p:nvSpPr>
         <p:spPr>
           <a:xfrm>
-            <a:off x="826396" y="586855"/>
-            <a:ext cx="4230100" cy="3387497"/>
+            <a:off x="905030" y="418380"/>
+            <a:ext cx="3995792" cy="1203720"/>
           </a:xfrm>
         </p:spPr>
         <p:txBody>
@@ -4582,9 +4584,8 @@
           </a:bodyPr>
           <a:lstStyle/>
           <a:p>
-            <a:pPr algn="r"/>
-            <a:r>
-              <a:rPr lang="en-US" sz="4000" dirty="0">
+            <a:r>
+              <a:rPr lang="en-US" sz="4000" b="1" dirty="0">
                 <a:solidFill>
                   <a:srgbClr val="FFFFFF"/>
                 </a:solidFill>
@@ -4592,7 +4593,7 @@
               <a:t>Strategy</a:t>
             </a:r>
             <a:r>
-              <a:rPr lang="en-US" sz="4000" dirty="0">
+              <a:rPr lang="en-US" sz="4000" b="1" dirty="0">
                 <a:solidFill>
                   <a:schemeClr val="accent6"/>
                 </a:solidFill>
@@ -4620,7 +4621,7 @@
         </p:nvSpPr>
         <p:spPr>
           <a:xfrm>
-            <a:off x="6503158" y="393192"/>
+            <a:off x="6503158" y="602599"/>
             <a:ext cx="4862447" cy="5802335"/>
           </a:xfrm>
         </p:spPr>
@@ -4699,13 +4700,13 @@
           <a:p>
             <a:r>
               <a:rPr lang="en-US" sz="2400" dirty="0"/>
-              <a:t>To many classes</a:t>
+              <a:t>Complexity</a:t>
             </a:r>
           </a:p>
           <a:p>
             <a:r>
               <a:rPr lang="en-US" sz="2400" dirty="0"/>
-              <a:t>Takes time to understand logic</a:t>
+              <a:t>Overhead</a:t>
             </a:r>
           </a:p>
           <a:p>
@@ -4743,6 +4744,225 @@
           </a:prstGeom>
         </p:spPr>
       </p:pic>
+      <p:sp>
+        <p:nvSpPr>
+          <p:cNvPr id="7" name="Content Placeholder 2">
+            <a:extLst>
+              <a:ext uri="{FF2B5EF4-FFF2-40B4-BE49-F238E27FC236}">
+                <a16:creationId xmlns:a16="http://schemas.microsoft.com/office/drawing/2014/main" id="{AD95ED68-DAA4-A056-0548-B8B28B4FD5B9}"/>
+              </a:ext>
+            </a:extLst>
+          </p:cNvPr>
+          <p:cNvSpPr txBox="1">
+            <a:spLocks/>
+          </p:cNvSpPr>
+          <p:nvPr/>
+        </p:nvSpPr>
+        <p:spPr>
+          <a:xfrm>
+            <a:off x="826395" y="1611638"/>
+            <a:ext cx="4550277" cy="3995369"/>
+          </a:xfrm>
+          <a:prstGeom prst="rect">
+            <a:avLst/>
+          </a:prstGeom>
+        </p:spPr>
+        <p:txBody>
+          <a:bodyPr vert="horz" lIns="91440" tIns="45720" rIns="91440" bIns="45720" rtlCol="0" anchor="ctr">
+            <a:normAutofit lnSpcReduction="10000"/>
+          </a:bodyPr>
+          <a:lstStyle>
+            <a:lvl1pPr marL="228600" indent="-228600" algn="l" defTabSz="914400" rtl="0" eaLnBrk="1" latinLnBrk="0" hangingPunct="1">
+              <a:lnSpc>
+                <a:spcPct val="90000"/>
+              </a:lnSpc>
+              <a:spcBef>
+                <a:spcPts val="1000"/>
+              </a:spcBef>
+              <a:buFont typeface="Arial" panose="020B0604020202020204" pitchFamily="34" charset="0"/>
+              <a:buChar char="•"/>
+              <a:defRPr sz="2800" kern="1200">
+                <a:solidFill>
+                  <a:schemeClr val="tx1"/>
+                </a:solidFill>
+                <a:latin typeface="+mn-lt"/>
+                <a:ea typeface="+mn-ea"/>
+                <a:cs typeface="+mn-cs"/>
+              </a:defRPr>
+            </a:lvl1pPr>
+            <a:lvl2pPr marL="685800" indent="-228600" algn="l" defTabSz="914400" rtl="0" eaLnBrk="1" latinLnBrk="0" hangingPunct="1">
+              <a:lnSpc>
+                <a:spcPct val="90000"/>
+              </a:lnSpc>
+              <a:spcBef>
+                <a:spcPts val="500"/>
+              </a:spcBef>
+              <a:buFont typeface="Arial" panose="020B0604020202020204" pitchFamily="34" charset="0"/>
+              <a:buChar char="•"/>
+              <a:defRPr sz="2400" kern="1200">
+                <a:solidFill>
+                  <a:schemeClr val="tx1"/>
+                </a:solidFill>
+                <a:latin typeface="+mn-lt"/>
+                <a:ea typeface="+mn-ea"/>
+                <a:cs typeface="+mn-cs"/>
+              </a:defRPr>
+            </a:lvl2pPr>
+            <a:lvl3pPr marL="1143000" indent="-228600" algn="l" defTabSz="914400" rtl="0" eaLnBrk="1" latinLnBrk="0" hangingPunct="1">
+              <a:lnSpc>
+                <a:spcPct val="90000"/>
+              </a:lnSpc>
+              <a:spcBef>
+                <a:spcPts val="500"/>
+              </a:spcBef>
+              <a:buFont typeface="Arial" panose="020B0604020202020204" pitchFamily="34" charset="0"/>
+              <a:buChar char="•"/>
+              <a:defRPr sz="2000" kern="1200">
+                <a:solidFill>
+                  <a:schemeClr val="tx1"/>
+                </a:solidFill>
+                <a:latin typeface="+mn-lt"/>
+                <a:ea typeface="+mn-ea"/>
+                <a:cs typeface="+mn-cs"/>
+              </a:defRPr>
+            </a:lvl3pPr>
+            <a:lvl4pPr marL="1600200" indent="-228600" algn="l" defTabSz="914400" rtl="0" eaLnBrk="1" latinLnBrk="0" hangingPunct="1">
+              <a:lnSpc>
+                <a:spcPct val="90000"/>
+              </a:lnSpc>
+              <a:spcBef>
+                <a:spcPts val="500"/>
+              </a:spcBef>
+              <a:buFont typeface="Arial" panose="020B0604020202020204" pitchFamily="34" charset="0"/>
+              <a:buChar char="•"/>
+              <a:defRPr sz="1800" kern="1200">
+                <a:solidFill>
+                  <a:schemeClr val="tx1"/>
+                </a:solidFill>
+                <a:latin typeface="+mn-lt"/>
+                <a:ea typeface="+mn-ea"/>
+                <a:cs typeface="+mn-cs"/>
+              </a:defRPr>
+            </a:lvl4pPr>
+            <a:lvl5pPr marL="2057400" indent="-228600" algn="l" defTabSz="914400" rtl="0" eaLnBrk="1" latinLnBrk="0" hangingPunct="1">
+              <a:lnSpc>
+                <a:spcPct val="90000"/>
+              </a:lnSpc>
+              <a:spcBef>
+                <a:spcPts val="500"/>
+              </a:spcBef>
+              <a:buFont typeface="Arial" panose="020B0604020202020204" pitchFamily="34" charset="0"/>
+              <a:buChar char="•"/>
+              <a:defRPr sz="1800" kern="1200">
+                <a:solidFill>
+                  <a:schemeClr val="tx1"/>
+                </a:solidFill>
+                <a:latin typeface="+mn-lt"/>
+                <a:ea typeface="+mn-ea"/>
+                <a:cs typeface="+mn-cs"/>
+              </a:defRPr>
+            </a:lvl5pPr>
+            <a:lvl6pPr marL="2514600" indent="-228600" algn="l" defTabSz="914400" rtl="0" eaLnBrk="1" latinLnBrk="0" hangingPunct="1">
+              <a:lnSpc>
+                <a:spcPct val="90000"/>
+              </a:lnSpc>
+              <a:spcBef>
+                <a:spcPts val="500"/>
+              </a:spcBef>
+              <a:buFont typeface="Arial" panose="020B0604020202020204" pitchFamily="34" charset="0"/>
+              <a:buChar char="•"/>
+              <a:defRPr sz="1800" kern="1200">
+                <a:solidFill>
+                  <a:schemeClr val="tx1"/>
+                </a:solidFill>
+                <a:latin typeface="+mn-lt"/>
+                <a:ea typeface="+mn-ea"/>
+                <a:cs typeface="+mn-cs"/>
+              </a:defRPr>
+            </a:lvl6pPr>
+            <a:lvl7pPr marL="2971800" indent="-228600" algn="l" defTabSz="914400" rtl="0" eaLnBrk="1" latinLnBrk="0" hangingPunct="1">
+              <a:lnSpc>
+                <a:spcPct val="90000"/>
+              </a:lnSpc>
+              <a:spcBef>
+                <a:spcPts val="500"/>
+              </a:spcBef>
+              <a:buFont typeface="Arial" panose="020B0604020202020204" pitchFamily="34" charset="0"/>
+              <a:buChar char="•"/>
+              <a:defRPr sz="1800" kern="1200">
+                <a:solidFill>
+                  <a:schemeClr val="tx1"/>
+                </a:solidFill>
+                <a:latin typeface="+mn-lt"/>
+                <a:ea typeface="+mn-ea"/>
+                <a:cs typeface="+mn-cs"/>
+              </a:defRPr>
+            </a:lvl7pPr>
+            <a:lvl8pPr marL="3429000" indent="-228600" algn="l" defTabSz="914400" rtl="0" eaLnBrk="1" latinLnBrk="0" hangingPunct="1">
+              <a:lnSpc>
+                <a:spcPct val="90000"/>
+              </a:lnSpc>
+              <a:spcBef>
+                <a:spcPts val="500"/>
+              </a:spcBef>
+              <a:buFont typeface="Arial" panose="020B0604020202020204" pitchFamily="34" charset="0"/>
+              <a:buChar char="•"/>
+              <a:defRPr sz="1800" kern="1200">
+                <a:solidFill>
+                  <a:schemeClr val="tx1"/>
+                </a:solidFill>
+                <a:latin typeface="+mn-lt"/>
+                <a:ea typeface="+mn-ea"/>
+                <a:cs typeface="+mn-cs"/>
+              </a:defRPr>
+            </a:lvl8pPr>
+            <a:lvl9pPr marL="3886200" indent="-228600" algn="l" defTabSz="914400" rtl="0" eaLnBrk="1" latinLnBrk="0" hangingPunct="1">
+              <a:lnSpc>
+                <a:spcPct val="90000"/>
+              </a:lnSpc>
+              <a:spcBef>
+                <a:spcPts val="500"/>
+              </a:spcBef>
+              <a:buFont typeface="Arial" panose="020B0604020202020204" pitchFamily="34" charset="0"/>
+              <a:buChar char="•"/>
+              <a:defRPr sz="1800" kern="1200">
+                <a:solidFill>
+                  <a:schemeClr val="tx1"/>
+                </a:solidFill>
+                <a:latin typeface="+mn-lt"/>
+                <a:ea typeface="+mn-ea"/>
+                <a:cs typeface="+mn-cs"/>
+              </a:defRPr>
+            </a:lvl9pPr>
+          </a:lstStyle>
+          <a:p>
+            <a:pPr marL="0" indent="0">
+              <a:buNone/>
+            </a:pPr>
+            <a:r>
+              <a:rPr lang="en-US" i="1" dirty="0">
+                <a:solidFill>
+                  <a:schemeClr val="bg1"/>
+                </a:solidFill>
+              </a:rPr>
+              <a:t>Behavioral pattern.</a:t>
+            </a:r>
+          </a:p>
+          <a:p>
+            <a:pPr marL="0" indent="0">
+              <a:buNone/>
+            </a:pPr>
+            <a:r>
+              <a:rPr lang="en-US" i="1" dirty="0">
+                <a:solidFill>
+                  <a:schemeClr val="bg1"/>
+                </a:solidFill>
+              </a:rPr>
+              <a:t>The primary purpose of the Strategy Pattern is to define a family of algorithms, encapsulate each one, and make them interchangeable. This pattern allows the algorithm to vary independently from the clients that use it.</a:t>
+            </a:r>
+          </a:p>
+        </p:txBody>
+      </p:sp>
     </p:spTree>
     <p:extLst>
       <p:ext uri="{BB962C8B-B14F-4D97-AF65-F5344CB8AC3E}">
@@ -4805,10 +5025,10 @@
       </p:pic>
       <p:pic>
         <p:nvPicPr>
-          <p:cNvPr id="3" name="Picture 2" descr="A diagram of a company&#10;&#10;Description automatically generated">
-            <a:extLst>
-              <a:ext uri="{FF2B5EF4-FFF2-40B4-BE49-F238E27FC236}">
-                <a16:creationId xmlns:a16="http://schemas.microsoft.com/office/drawing/2014/main" id="{80797C57-CFF9-42D5-C30A-2B27F734A5B7}"/>
+          <p:cNvPr id="7" name="Picture 6" descr="A diagram of a diagram&#10;&#10;Description automatically generated with medium confidence">
+            <a:extLst>
+              <a:ext uri="{FF2B5EF4-FFF2-40B4-BE49-F238E27FC236}">
+                <a16:creationId xmlns:a16="http://schemas.microsoft.com/office/drawing/2014/main" id="{203D09C2-0B26-EF25-A6C8-8FCEE75CBD28}"/>
               </a:ext>
             </a:extLst>
           </p:cNvPr>
@@ -4825,8 +5045,8 @@
         </p:blipFill>
         <p:spPr>
           <a:xfrm>
-            <a:off x="1302497" y="0"/>
-            <a:ext cx="10813640" cy="6858000"/>
+            <a:off x="969942" y="1"/>
+            <a:ext cx="11222058" cy="6857999"/>
           </a:xfrm>
           <a:prstGeom prst="rect">
             <a:avLst/>
@@ -4847,6 +5067,198 @@
 </file>
 
 <file path=ppt/slides/slide4.xml><?xml version="1.0" encoding="utf-8"?>
+<p:sld xmlns:a="http://schemas.openxmlformats.org/drawingml/2006/main" xmlns:r="http://schemas.openxmlformats.org/officeDocument/2006/relationships" xmlns:p="http://schemas.openxmlformats.org/presentationml/2006/main">
+  <p:cSld>
+    <p:spTree>
+      <p:nvGrpSpPr>
+        <p:cNvPr id="1" name="">
+          <a:extLst>
+            <a:ext uri="{FF2B5EF4-FFF2-40B4-BE49-F238E27FC236}">
+              <a16:creationId xmlns:a16="http://schemas.microsoft.com/office/drawing/2014/main" id="{338F76FC-CDB7-4A56-EA71-01B8DFF332FF}"/>
+            </a:ext>
+          </a:extLst>
+        </p:cNvPr>
+        <p:cNvGrpSpPr/>
+        <p:nvPr/>
+      </p:nvGrpSpPr>
+      <p:grpSpPr>
+        <a:xfrm>
+          <a:off x="0" y="0"/>
+          <a:ext cx="0" cy="0"/>
+          <a:chOff x="0" y="0"/>
+          <a:chExt cx="0" cy="0"/>
+        </a:xfrm>
+      </p:grpSpPr>
+      <p:pic>
+        <p:nvPicPr>
+          <p:cNvPr id="4" name="Picture 3" descr="A black background with a green line&#10;&#10;Description automatically generated">
+            <a:extLst>
+              <a:ext uri="{FF2B5EF4-FFF2-40B4-BE49-F238E27FC236}">
+                <a16:creationId xmlns:a16="http://schemas.microsoft.com/office/drawing/2014/main" id="{007A91DD-CC1B-6663-0729-779D51BA776E}"/>
+              </a:ext>
+            </a:extLst>
+          </p:cNvPr>
+          <p:cNvPicPr>
+            <a:picLocks noChangeAspect="1"/>
+          </p:cNvPicPr>
+          <p:nvPr/>
+        </p:nvPicPr>
+        <p:blipFill>
+          <a:blip r:embed="rId2"/>
+          <a:stretch>
+            <a:fillRect/>
+          </a:stretch>
+        </p:blipFill>
+        <p:spPr>
+          <a:xfrm>
+            <a:off x="-10160" y="5883204"/>
+            <a:ext cx="974796" cy="974796"/>
+          </a:xfrm>
+          <a:prstGeom prst="rect">
+            <a:avLst/>
+          </a:prstGeom>
+        </p:spPr>
+      </p:pic>
+      <p:pic>
+        <p:nvPicPr>
+          <p:cNvPr id="7" name="Picture 6" descr="A diagram of a diagram&#10;&#10;Description automatically generated with medium confidence">
+            <a:extLst>
+              <a:ext uri="{FF2B5EF4-FFF2-40B4-BE49-F238E27FC236}">
+                <a16:creationId xmlns:a16="http://schemas.microsoft.com/office/drawing/2014/main" id="{B8B385E2-C2A1-20D7-D9F7-3AFF8A2051D8}"/>
+              </a:ext>
+            </a:extLst>
+          </p:cNvPr>
+          <p:cNvPicPr>
+            <a:picLocks noChangeAspect="1"/>
+          </p:cNvPicPr>
+          <p:nvPr/>
+        </p:nvPicPr>
+        <p:blipFill>
+          <a:blip r:embed="rId3"/>
+          <a:stretch>
+            <a:fillRect/>
+          </a:stretch>
+        </p:blipFill>
+        <p:spPr>
+          <a:xfrm>
+            <a:off x="969942" y="1"/>
+            <a:ext cx="11222058" cy="6857999"/>
+          </a:xfrm>
+          <a:prstGeom prst="rect">
+            <a:avLst/>
+          </a:prstGeom>
+        </p:spPr>
+      </p:pic>
+    </p:spTree>
+    <p:extLst>
+      <p:ext uri="{BB962C8B-B14F-4D97-AF65-F5344CB8AC3E}">
+        <p14:creationId xmlns:p14="http://schemas.microsoft.com/office/powerpoint/2010/main" val="1899069781"/>
+      </p:ext>
+    </p:extLst>
+  </p:cSld>
+  <p:clrMapOvr>
+    <a:masterClrMapping/>
+  </p:clrMapOvr>
+</p:sld>
+</file>
+
+<file path=ppt/slides/slide5.xml><?xml version="1.0" encoding="utf-8"?>
+<p:sld xmlns:a="http://schemas.openxmlformats.org/drawingml/2006/main" xmlns:r="http://schemas.openxmlformats.org/officeDocument/2006/relationships" xmlns:p="http://schemas.openxmlformats.org/presentationml/2006/main">
+  <p:cSld>
+    <p:spTree>
+      <p:nvGrpSpPr>
+        <p:cNvPr id="1" name="">
+          <a:extLst>
+            <a:ext uri="{FF2B5EF4-FFF2-40B4-BE49-F238E27FC236}">
+              <a16:creationId xmlns:a16="http://schemas.microsoft.com/office/drawing/2014/main" id="{F017D8AE-A5FE-2039-D32A-34FDDCB02C74}"/>
+            </a:ext>
+          </a:extLst>
+        </p:cNvPr>
+        <p:cNvGrpSpPr/>
+        <p:nvPr/>
+      </p:nvGrpSpPr>
+      <p:grpSpPr>
+        <a:xfrm>
+          <a:off x="0" y="0"/>
+          <a:ext cx="0" cy="0"/>
+          <a:chOff x="0" y="0"/>
+          <a:chExt cx="0" cy="0"/>
+        </a:xfrm>
+      </p:grpSpPr>
+      <p:pic>
+        <p:nvPicPr>
+          <p:cNvPr id="4" name="Picture 3" descr="A black background with a green line&#10;&#10;Description automatically generated">
+            <a:extLst>
+              <a:ext uri="{FF2B5EF4-FFF2-40B4-BE49-F238E27FC236}">
+                <a16:creationId xmlns:a16="http://schemas.microsoft.com/office/drawing/2014/main" id="{138829C2-55EF-087E-7434-B5D99ABBD202}"/>
+              </a:ext>
+            </a:extLst>
+          </p:cNvPr>
+          <p:cNvPicPr>
+            <a:picLocks noChangeAspect="1"/>
+          </p:cNvPicPr>
+          <p:nvPr/>
+        </p:nvPicPr>
+        <p:blipFill>
+          <a:blip r:embed="rId2"/>
+          <a:stretch>
+            <a:fillRect/>
+          </a:stretch>
+        </p:blipFill>
+        <p:spPr>
+          <a:xfrm>
+            <a:off x="-10160" y="5883204"/>
+            <a:ext cx="974796" cy="974796"/>
+          </a:xfrm>
+          <a:prstGeom prst="rect">
+            <a:avLst/>
+          </a:prstGeom>
+        </p:spPr>
+      </p:pic>
+      <p:pic>
+        <p:nvPicPr>
+          <p:cNvPr id="3" name="Picture 2" descr="A diagram of a strategy&#10;&#10;Description automatically generated">
+            <a:extLst>
+              <a:ext uri="{FF2B5EF4-FFF2-40B4-BE49-F238E27FC236}">
+                <a16:creationId xmlns:a16="http://schemas.microsoft.com/office/drawing/2014/main" id="{0270C6FC-D9EA-10FA-A11A-65B97391F88C}"/>
+              </a:ext>
+            </a:extLst>
+          </p:cNvPr>
+          <p:cNvPicPr>
+            <a:picLocks noChangeAspect="1"/>
+          </p:cNvPicPr>
+          <p:nvPr/>
+        </p:nvPicPr>
+        <p:blipFill>
+          <a:blip r:embed="rId3"/>
+          <a:stretch>
+            <a:fillRect/>
+          </a:stretch>
+        </p:blipFill>
+        <p:spPr>
+          <a:xfrm>
+            <a:off x="818708" y="0"/>
+            <a:ext cx="11373292" cy="6858000"/>
+          </a:xfrm>
+          <a:prstGeom prst="rect">
+            <a:avLst/>
+          </a:prstGeom>
+        </p:spPr>
+      </p:pic>
+    </p:spTree>
+    <p:extLst>
+      <p:ext uri="{BB962C8B-B14F-4D97-AF65-F5344CB8AC3E}">
+        <p14:creationId xmlns:p14="http://schemas.microsoft.com/office/powerpoint/2010/main" val="2441809212"/>
+      </p:ext>
+    </p:extLst>
+  </p:cSld>
+  <p:clrMapOvr>
+    <a:masterClrMapping/>
+  </p:clrMapOvr>
+</p:sld>
+</file>
+
+<file path=ppt/slides/slide6.xml><?xml version="1.0" encoding="utf-8"?>
 <p:sld xmlns:a="http://schemas.openxmlformats.org/drawingml/2006/main" xmlns:r="http://schemas.openxmlformats.org/officeDocument/2006/relationships" xmlns:p="http://schemas.openxmlformats.org/presentationml/2006/main">
   <p:cSld>
     <p:bg>
@@ -5346,8 +5758,8 @@
         </p:nvSpPr>
         <p:spPr>
           <a:xfrm>
-            <a:off x="826396" y="586855"/>
-            <a:ext cx="4230100" cy="3387497"/>
+            <a:off x="826395" y="842396"/>
+            <a:ext cx="4230100" cy="746520"/>
           </a:xfrm>
         </p:spPr>
         <p:txBody>
@@ -5356,9 +5768,8 @@
           </a:bodyPr>
           <a:lstStyle/>
           <a:p>
-            <a:pPr algn="r"/>
-            <a:r>
-              <a:rPr lang="en-US" sz="4000" dirty="0">
+            <a:r>
+              <a:rPr lang="en-US" sz="4000" b="1" dirty="0">
                 <a:solidFill>
                   <a:srgbClr val="FFFFFF"/>
                 </a:solidFill>
@@ -5366,7 +5777,7 @@
               <a:t>Template Method</a:t>
             </a:r>
             <a:r>
-              <a:rPr lang="en-US" sz="4000" dirty="0">
+              <a:rPr lang="en-US" sz="4000" b="1" dirty="0">
                 <a:solidFill>
                   <a:schemeClr val="accent6"/>
                 </a:solidFill>
@@ -5424,7 +5835,7 @@
         </p:nvSpPr>
         <p:spPr>
           <a:xfrm>
-            <a:off x="5760720" y="393192"/>
+            <a:off x="5775274" y="708154"/>
             <a:ext cx="6163056" cy="5802335"/>
           </a:xfrm>
         </p:spPr>
@@ -5487,6 +5898,13 @@
             </a:r>
           </a:p>
           <a:p>
+            <a:r>
+              <a:rPr lang="en-US" sz="2400" dirty="0" err="1"/>
+              <a:t>Maitability</a:t>
+            </a:r>
+            <a:endParaRPr lang="en-US" sz="2400" dirty="0"/>
+          </a:p>
+          <a:p>
             <a:endParaRPr lang="en-US" sz="2400" dirty="0"/>
           </a:p>
           <a:p>
@@ -5501,7 +5919,7 @@
           <a:p>
             <a:r>
               <a:rPr lang="en-US" sz="2400" dirty="0"/>
-              <a:t>We cannot extend one more class</a:t>
+              <a:t>Limited flexibility</a:t>
             </a:r>
           </a:p>
           <a:p>
@@ -5512,6 +5930,225 @@
           </a:p>
           <a:p>
             <a:endParaRPr lang="en-US" sz="2400" dirty="0"/>
+          </a:p>
+        </p:txBody>
+      </p:sp>
+      <p:sp>
+        <p:nvSpPr>
+          <p:cNvPr id="6" name="Content Placeholder 2">
+            <a:extLst>
+              <a:ext uri="{FF2B5EF4-FFF2-40B4-BE49-F238E27FC236}">
+                <a16:creationId xmlns:a16="http://schemas.microsoft.com/office/drawing/2014/main" id="{1ADBC40D-2BD1-AC82-EBEB-0A51321657C9}"/>
+              </a:ext>
+            </a:extLst>
+          </p:cNvPr>
+          <p:cNvSpPr txBox="1">
+            <a:spLocks/>
+          </p:cNvSpPr>
+          <p:nvPr/>
+        </p:nvSpPr>
+        <p:spPr>
+          <a:xfrm>
+            <a:off x="826395" y="1611638"/>
+            <a:ext cx="4550277" cy="3995369"/>
+          </a:xfrm>
+          <a:prstGeom prst="rect">
+            <a:avLst/>
+          </a:prstGeom>
+        </p:spPr>
+        <p:txBody>
+          <a:bodyPr vert="horz" lIns="91440" tIns="45720" rIns="91440" bIns="45720" rtlCol="0" anchor="ctr">
+            <a:normAutofit/>
+          </a:bodyPr>
+          <a:lstStyle>
+            <a:lvl1pPr marL="228600" indent="-228600" algn="l" defTabSz="914400" rtl="0" eaLnBrk="1" latinLnBrk="0" hangingPunct="1">
+              <a:lnSpc>
+                <a:spcPct val="90000"/>
+              </a:lnSpc>
+              <a:spcBef>
+                <a:spcPts val="1000"/>
+              </a:spcBef>
+              <a:buFont typeface="Arial" panose="020B0604020202020204" pitchFamily="34" charset="0"/>
+              <a:buChar char="•"/>
+              <a:defRPr sz="2800" kern="1200">
+                <a:solidFill>
+                  <a:schemeClr val="tx1"/>
+                </a:solidFill>
+                <a:latin typeface="+mn-lt"/>
+                <a:ea typeface="+mn-ea"/>
+                <a:cs typeface="+mn-cs"/>
+              </a:defRPr>
+            </a:lvl1pPr>
+            <a:lvl2pPr marL="685800" indent="-228600" algn="l" defTabSz="914400" rtl="0" eaLnBrk="1" latinLnBrk="0" hangingPunct="1">
+              <a:lnSpc>
+                <a:spcPct val="90000"/>
+              </a:lnSpc>
+              <a:spcBef>
+                <a:spcPts val="500"/>
+              </a:spcBef>
+              <a:buFont typeface="Arial" panose="020B0604020202020204" pitchFamily="34" charset="0"/>
+              <a:buChar char="•"/>
+              <a:defRPr sz="2400" kern="1200">
+                <a:solidFill>
+                  <a:schemeClr val="tx1"/>
+                </a:solidFill>
+                <a:latin typeface="+mn-lt"/>
+                <a:ea typeface="+mn-ea"/>
+                <a:cs typeface="+mn-cs"/>
+              </a:defRPr>
+            </a:lvl2pPr>
+            <a:lvl3pPr marL="1143000" indent="-228600" algn="l" defTabSz="914400" rtl="0" eaLnBrk="1" latinLnBrk="0" hangingPunct="1">
+              <a:lnSpc>
+                <a:spcPct val="90000"/>
+              </a:lnSpc>
+              <a:spcBef>
+                <a:spcPts val="500"/>
+              </a:spcBef>
+              <a:buFont typeface="Arial" panose="020B0604020202020204" pitchFamily="34" charset="0"/>
+              <a:buChar char="•"/>
+              <a:defRPr sz="2000" kern="1200">
+                <a:solidFill>
+                  <a:schemeClr val="tx1"/>
+                </a:solidFill>
+                <a:latin typeface="+mn-lt"/>
+                <a:ea typeface="+mn-ea"/>
+                <a:cs typeface="+mn-cs"/>
+              </a:defRPr>
+            </a:lvl3pPr>
+            <a:lvl4pPr marL="1600200" indent="-228600" algn="l" defTabSz="914400" rtl="0" eaLnBrk="1" latinLnBrk="0" hangingPunct="1">
+              <a:lnSpc>
+                <a:spcPct val="90000"/>
+              </a:lnSpc>
+              <a:spcBef>
+                <a:spcPts val="500"/>
+              </a:spcBef>
+              <a:buFont typeface="Arial" panose="020B0604020202020204" pitchFamily="34" charset="0"/>
+              <a:buChar char="•"/>
+              <a:defRPr sz="1800" kern="1200">
+                <a:solidFill>
+                  <a:schemeClr val="tx1"/>
+                </a:solidFill>
+                <a:latin typeface="+mn-lt"/>
+                <a:ea typeface="+mn-ea"/>
+                <a:cs typeface="+mn-cs"/>
+              </a:defRPr>
+            </a:lvl4pPr>
+            <a:lvl5pPr marL="2057400" indent="-228600" algn="l" defTabSz="914400" rtl="0" eaLnBrk="1" latinLnBrk="0" hangingPunct="1">
+              <a:lnSpc>
+                <a:spcPct val="90000"/>
+              </a:lnSpc>
+              <a:spcBef>
+                <a:spcPts val="500"/>
+              </a:spcBef>
+              <a:buFont typeface="Arial" panose="020B0604020202020204" pitchFamily="34" charset="0"/>
+              <a:buChar char="•"/>
+              <a:defRPr sz="1800" kern="1200">
+                <a:solidFill>
+                  <a:schemeClr val="tx1"/>
+                </a:solidFill>
+                <a:latin typeface="+mn-lt"/>
+                <a:ea typeface="+mn-ea"/>
+                <a:cs typeface="+mn-cs"/>
+              </a:defRPr>
+            </a:lvl5pPr>
+            <a:lvl6pPr marL="2514600" indent="-228600" algn="l" defTabSz="914400" rtl="0" eaLnBrk="1" latinLnBrk="0" hangingPunct="1">
+              <a:lnSpc>
+                <a:spcPct val="90000"/>
+              </a:lnSpc>
+              <a:spcBef>
+                <a:spcPts val="500"/>
+              </a:spcBef>
+              <a:buFont typeface="Arial" panose="020B0604020202020204" pitchFamily="34" charset="0"/>
+              <a:buChar char="•"/>
+              <a:defRPr sz="1800" kern="1200">
+                <a:solidFill>
+                  <a:schemeClr val="tx1"/>
+                </a:solidFill>
+                <a:latin typeface="+mn-lt"/>
+                <a:ea typeface="+mn-ea"/>
+                <a:cs typeface="+mn-cs"/>
+              </a:defRPr>
+            </a:lvl6pPr>
+            <a:lvl7pPr marL="2971800" indent="-228600" algn="l" defTabSz="914400" rtl="0" eaLnBrk="1" latinLnBrk="0" hangingPunct="1">
+              <a:lnSpc>
+                <a:spcPct val="90000"/>
+              </a:lnSpc>
+              <a:spcBef>
+                <a:spcPts val="500"/>
+              </a:spcBef>
+              <a:buFont typeface="Arial" panose="020B0604020202020204" pitchFamily="34" charset="0"/>
+              <a:buChar char="•"/>
+              <a:defRPr sz="1800" kern="1200">
+                <a:solidFill>
+                  <a:schemeClr val="tx1"/>
+                </a:solidFill>
+                <a:latin typeface="+mn-lt"/>
+                <a:ea typeface="+mn-ea"/>
+                <a:cs typeface="+mn-cs"/>
+              </a:defRPr>
+            </a:lvl7pPr>
+            <a:lvl8pPr marL="3429000" indent="-228600" algn="l" defTabSz="914400" rtl="0" eaLnBrk="1" latinLnBrk="0" hangingPunct="1">
+              <a:lnSpc>
+                <a:spcPct val="90000"/>
+              </a:lnSpc>
+              <a:spcBef>
+                <a:spcPts val="500"/>
+              </a:spcBef>
+              <a:buFont typeface="Arial" panose="020B0604020202020204" pitchFamily="34" charset="0"/>
+              <a:buChar char="•"/>
+              <a:defRPr sz="1800" kern="1200">
+                <a:solidFill>
+                  <a:schemeClr val="tx1"/>
+                </a:solidFill>
+                <a:latin typeface="+mn-lt"/>
+                <a:ea typeface="+mn-ea"/>
+                <a:cs typeface="+mn-cs"/>
+              </a:defRPr>
+            </a:lvl8pPr>
+            <a:lvl9pPr marL="3886200" indent="-228600" algn="l" defTabSz="914400" rtl="0" eaLnBrk="1" latinLnBrk="0" hangingPunct="1">
+              <a:lnSpc>
+                <a:spcPct val="90000"/>
+              </a:lnSpc>
+              <a:spcBef>
+                <a:spcPts val="500"/>
+              </a:spcBef>
+              <a:buFont typeface="Arial" panose="020B0604020202020204" pitchFamily="34" charset="0"/>
+              <a:buChar char="•"/>
+              <a:defRPr sz="1800" kern="1200">
+                <a:solidFill>
+                  <a:schemeClr val="tx1"/>
+                </a:solidFill>
+                <a:latin typeface="+mn-lt"/>
+                <a:ea typeface="+mn-ea"/>
+                <a:cs typeface="+mn-cs"/>
+              </a:defRPr>
+            </a:lvl9pPr>
+          </a:lstStyle>
+          <a:p>
+            <a:pPr marL="0" indent="0">
+              <a:buNone/>
+            </a:pPr>
+            <a:r>
+              <a:rPr lang="en-US" i="1" dirty="0">
+                <a:solidFill>
+                  <a:schemeClr val="bg1"/>
+                </a:solidFill>
+              </a:rPr>
+              <a:t>Behavioral pattern.</a:t>
+            </a:r>
+          </a:p>
+          <a:p>
+            <a:pPr marL="0" indent="0">
+              <a:buNone/>
+            </a:pPr>
+            <a:r>
+              <a:rPr lang="en-US" i="1" dirty="0">
+                <a:solidFill>
+                  <a:schemeClr val="bg1"/>
+                </a:solidFill>
+              </a:rPr>
+              <a:t>The Template Method Pattern defines an algorithm's structure in a base class, allowing subclasses to customize specific steps without altering the overall sequence.</a:t>
+            </a:r>
           </a:p>
         </p:txBody>
       </p:sp>
@@ -5528,7 +6165,7 @@
 </p:sld>
 </file>
 
-<file path=ppt/slides/slide5.xml><?xml version="1.0" encoding="utf-8"?>
+<file path=ppt/slides/slide7.xml><?xml version="1.0" encoding="utf-8"?>
 <p:sld xmlns:a="http://schemas.openxmlformats.org/drawingml/2006/main" xmlns:r="http://schemas.openxmlformats.org/officeDocument/2006/relationships" xmlns:p="http://schemas.openxmlformats.org/presentationml/2006/main">
   <p:cSld>
     <p:spTree>
@@ -5624,7 +6261,7 @@
 </p:sld>
 </file>
 
-<file path=ppt/slides/slide6.xml><?xml version="1.0" encoding="utf-8"?>
+<file path=ppt/slides/slide8.xml><?xml version="1.0" encoding="utf-8"?>
 <p:sld xmlns:a="http://schemas.openxmlformats.org/drawingml/2006/main" xmlns:r="http://schemas.openxmlformats.org/officeDocument/2006/relationships" xmlns:p="http://schemas.openxmlformats.org/presentationml/2006/main">
   <p:cSld>
     <p:bg>
@@ -6340,7 +6977,7 @@
 </p:sld>
 </file>
 
-<file path=ppt/slides/slide7.xml><?xml version="1.0" encoding="utf-8"?>
+<file path=ppt/slides/slide9.xml><?xml version="1.0" encoding="utf-8"?>
 <p:sld xmlns:a="http://schemas.openxmlformats.org/drawingml/2006/main" xmlns:r="http://schemas.openxmlformats.org/officeDocument/2006/relationships" xmlns:p="http://schemas.openxmlformats.org/presentationml/2006/main">
   <p:cSld>
     <p:bg>
